--- a/src/template/大家都在看.pptx
+++ b/src/template/大家都在看.pptx
@@ -6,9 +6,10 @@
   </p:sldMasterIdLst>
   <p:sldIdLst>
     <p:sldId id="256" r:id="rId2"/>
-    <p:sldId id="257" r:id="rId3"/>
-    <p:sldId id="258" r:id="rId4"/>
-    <p:sldId id="259" r:id="rId5"/>
+    <p:sldId id="260" r:id="rId3"/>
+    <p:sldId id="257" r:id="rId4"/>
+    <p:sldId id="258" r:id="rId5"/>
+    <p:sldId id="259" r:id="rId6"/>
   </p:sldIdLst>
   <p:sldSz cx="5400675" cy="914400"/>
   <p:notesSz cx="6858000" cy="9144000"/>
@@ -107,6 +108,11 @@
       </a:defRPr>
     </a:lvl9pPr>
   </p:defaultTextStyle>
+  <p:extLst>
+    <p:ext uri="{EFAFB233-063F-42B5-8137-9DF3F51BA10A}">
+      <p15:sldGuideLst xmlns:p15="http://schemas.microsoft.com/office/powerpoint/2012/main"/>
+    </p:ext>
+  </p:extLst>
 </p:presentation>
 </file>
 
@@ -241,7 +247,7 @@
           <a:p>
             <a:fld id="{1E73DC3E-03DF-40DA-8DE6-3991E45D2932}" type="datetimeFigureOut">
               <a:rPr lang="zh-CN" altLang="en-US" smtClean="0"/>
-              <a:t>2021/1/3</a:t>
+              <a:t>2021/2/26</a:t>
             </a:fld>
             <a:endParaRPr lang="zh-CN" altLang="en-US"/>
           </a:p>
@@ -411,7 +417,7 @@
           <a:p>
             <a:fld id="{1E73DC3E-03DF-40DA-8DE6-3991E45D2932}" type="datetimeFigureOut">
               <a:rPr lang="zh-CN" altLang="en-US" smtClean="0"/>
-              <a:t>2021/1/3</a:t>
+              <a:t>2021/2/26</a:t>
             </a:fld>
             <a:endParaRPr lang="zh-CN" altLang="en-US"/>
           </a:p>
@@ -591,7 +597,7 @@
           <a:p>
             <a:fld id="{1E73DC3E-03DF-40DA-8DE6-3991E45D2932}" type="datetimeFigureOut">
               <a:rPr lang="zh-CN" altLang="en-US" smtClean="0"/>
-              <a:t>2021/1/3</a:t>
+              <a:t>2021/2/26</a:t>
             </a:fld>
             <a:endParaRPr lang="zh-CN" altLang="en-US"/>
           </a:p>
@@ -761,7 +767,7 @@
           <a:p>
             <a:fld id="{1E73DC3E-03DF-40DA-8DE6-3991E45D2932}" type="datetimeFigureOut">
               <a:rPr lang="zh-CN" altLang="en-US" smtClean="0"/>
-              <a:t>2021/1/3</a:t>
+              <a:t>2021/2/26</a:t>
             </a:fld>
             <a:endParaRPr lang="zh-CN" altLang="en-US"/>
           </a:p>
@@ -1007,7 +1013,7 @@
           <a:p>
             <a:fld id="{1E73DC3E-03DF-40DA-8DE6-3991E45D2932}" type="datetimeFigureOut">
               <a:rPr lang="zh-CN" altLang="en-US" smtClean="0"/>
-              <a:t>2021/1/3</a:t>
+              <a:t>2021/2/26</a:t>
             </a:fld>
             <a:endParaRPr lang="zh-CN" altLang="en-US"/>
           </a:p>
@@ -1239,7 +1245,7 @@
           <a:p>
             <a:fld id="{1E73DC3E-03DF-40DA-8DE6-3991E45D2932}" type="datetimeFigureOut">
               <a:rPr lang="zh-CN" altLang="en-US" smtClean="0"/>
-              <a:t>2021/1/3</a:t>
+              <a:t>2021/2/26</a:t>
             </a:fld>
             <a:endParaRPr lang="zh-CN" altLang="en-US"/>
           </a:p>
@@ -1606,7 +1612,7 @@
           <a:p>
             <a:fld id="{1E73DC3E-03DF-40DA-8DE6-3991E45D2932}" type="datetimeFigureOut">
               <a:rPr lang="zh-CN" altLang="en-US" smtClean="0"/>
-              <a:t>2021/1/3</a:t>
+              <a:t>2021/2/26</a:t>
             </a:fld>
             <a:endParaRPr lang="zh-CN" altLang="en-US"/>
           </a:p>
@@ -1724,7 +1730,7 @@
           <a:p>
             <a:fld id="{1E73DC3E-03DF-40DA-8DE6-3991E45D2932}" type="datetimeFigureOut">
               <a:rPr lang="zh-CN" altLang="en-US" smtClean="0"/>
-              <a:t>2021/1/3</a:t>
+              <a:t>2021/2/26</a:t>
             </a:fld>
             <a:endParaRPr lang="zh-CN" altLang="en-US"/>
           </a:p>
@@ -1819,7 +1825,7 @@
           <a:p>
             <a:fld id="{1E73DC3E-03DF-40DA-8DE6-3991E45D2932}" type="datetimeFigureOut">
               <a:rPr lang="zh-CN" altLang="en-US" smtClean="0"/>
-              <a:t>2021/1/3</a:t>
+              <a:t>2021/2/26</a:t>
             </a:fld>
             <a:endParaRPr lang="zh-CN" altLang="en-US"/>
           </a:p>
@@ -2096,7 +2102,7 @@
           <a:p>
             <a:fld id="{1E73DC3E-03DF-40DA-8DE6-3991E45D2932}" type="datetimeFigureOut">
               <a:rPr lang="zh-CN" altLang="en-US" smtClean="0"/>
-              <a:t>2021/1/3</a:t>
+              <a:t>2021/2/26</a:t>
             </a:fld>
             <a:endParaRPr lang="zh-CN" altLang="en-US"/>
           </a:p>
@@ -2353,7 +2359,7 @@
           <a:p>
             <a:fld id="{1E73DC3E-03DF-40DA-8DE6-3991E45D2932}" type="datetimeFigureOut">
               <a:rPr lang="zh-CN" altLang="en-US" smtClean="0"/>
-              <a:t>2021/1/3</a:t>
+              <a:t>2021/2/26</a:t>
             </a:fld>
             <a:endParaRPr lang="zh-CN" altLang="en-US"/>
           </a:p>
@@ -2566,7 +2572,7 @@
           <a:p>
             <a:fld id="{1E73DC3E-03DF-40DA-8DE6-3991E45D2932}" type="datetimeFigureOut">
               <a:rPr lang="zh-CN" altLang="en-US" smtClean="0"/>
-              <a:t>2021/1/3</a:t>
+              <a:t>2021/2/26</a:t>
             </a:fld>
             <a:endParaRPr lang="zh-CN" altLang="en-US"/>
           </a:p>
@@ -3132,6 +3138,66 @@
           <a:chExt cx="0" cy="0"/>
         </a:xfrm>
       </p:grpSpPr>
+      <p:pic>
+        <p:nvPicPr>
+          <p:cNvPr id="5" name="图片 4">
+            <a:extLst>
+              <a:ext uri="{FF2B5EF4-FFF2-40B4-BE49-F238E27FC236}">
+                <a16:creationId xmlns:a16="http://schemas.microsoft.com/office/drawing/2014/main" id="{F73D431F-DCAC-4769-9100-DD707C68319E}"/>
+              </a:ext>
+            </a:extLst>
+          </p:cNvPr>
+          <p:cNvPicPr>
+            <a:picLocks noChangeAspect="1"/>
+          </p:cNvPicPr>
+          <p:nvPr/>
+        </p:nvPicPr>
+        <p:blipFill>
+          <a:blip r:embed="rId2"/>
+          <a:stretch>
+            <a:fillRect/>
+          </a:stretch>
+        </p:blipFill>
+        <p:spPr>
+          <a:xfrm>
+            <a:off x="-519835" y="-1942656"/>
+            <a:ext cx="6237144" cy="5124614"/>
+          </a:xfrm>
+          <a:prstGeom prst="rect">
+            <a:avLst/>
+          </a:prstGeom>
+        </p:spPr>
+      </p:pic>
+    </p:spTree>
+    <p:extLst>
+      <p:ext uri="{BB962C8B-B14F-4D97-AF65-F5344CB8AC3E}">
+        <p14:creationId xmlns:p14="http://schemas.microsoft.com/office/powerpoint/2010/main" val="2261931247"/>
+      </p:ext>
+    </p:extLst>
+  </p:cSld>
+  <p:clrMapOvr>
+    <a:masterClrMapping/>
+  </p:clrMapOvr>
+</p:sld>
+</file>
+
+<file path=ppt/slides/slide3.xml><?xml version="1.0" encoding="utf-8"?>
+<p:sld xmlns:a="http://schemas.openxmlformats.org/drawingml/2006/main" xmlns:r="http://schemas.openxmlformats.org/officeDocument/2006/relationships" xmlns:p="http://schemas.openxmlformats.org/presentationml/2006/main">
+  <p:cSld>
+    <p:spTree>
+      <p:nvGrpSpPr>
+        <p:cNvPr id="1" name=""/>
+        <p:cNvGrpSpPr/>
+        <p:nvPr/>
+      </p:nvGrpSpPr>
+      <p:grpSpPr>
+        <a:xfrm>
+          <a:off x="0" y="0"/>
+          <a:ext cx="0" cy="0"/>
+          <a:chOff x="0" y="0"/>
+          <a:chExt cx="0" cy="0"/>
+        </a:xfrm>
+      </p:grpSpPr>
       <p:sp>
         <p:nvSpPr>
           <p:cNvPr id="6" name="矩形 5">
@@ -3276,7 +3342,7 @@
 </p:sld>
 </file>
 
-<file path=ppt/slides/slide3.xml><?xml version="1.0" encoding="utf-8"?>
+<file path=ppt/slides/slide4.xml><?xml version="1.0" encoding="utf-8"?>
 <p:sld xmlns:a="http://schemas.openxmlformats.org/drawingml/2006/main" xmlns:r="http://schemas.openxmlformats.org/officeDocument/2006/relationships" xmlns:p="http://schemas.openxmlformats.org/presentationml/2006/main">
   <p:cSld>
     <p:bg>
@@ -3809,7 +3875,7 @@
 </p:sld>
 </file>
 
-<file path=ppt/slides/slide4.xml><?xml version="1.0" encoding="utf-8"?>
+<file path=ppt/slides/slide5.xml><?xml version="1.0" encoding="utf-8"?>
 <p:sld xmlns:a="http://schemas.openxmlformats.org/drawingml/2006/main" xmlns:r="http://schemas.openxmlformats.org/officeDocument/2006/relationships" xmlns:p="http://schemas.openxmlformats.org/presentationml/2006/main">
   <p:cSld>
     <p:bg>
